--- a/毕设资料/20151104825.pptx
+++ b/毕设资料/20151104825.pptx
@@ -202,7 +202,7 @@
           <a:p>
             <a:fld id="{7F25A8C7-CC1A-4A08-9B4B-31F43B054C7F}" type="datetimeFigureOut">
               <a:rPr lang="zh-CN" altLang="en-US" smtClean="0"/>
-              <a:t>2018/10/15</a:t>
+              <a:t>2018/11/2</a:t>
             </a:fld>
             <a:endParaRPr lang="zh-CN" altLang="en-US"/>
           </a:p>
@@ -597,7 +597,7 @@
           <a:p>
             <a:fld id="{D997B5FA-0921-464F-AAE1-844C04324D75}" type="datetimeFigureOut">
               <a:rPr lang="zh-CN" altLang="en-US" smtClean="0"/>
-              <a:t>2018/10/15</a:t>
+              <a:t>2018/11/2</a:t>
             </a:fld>
             <a:endParaRPr lang="zh-CN" altLang="en-US" dirty="0"/>
           </a:p>
@@ -687,7 +687,7 @@
           <a:p>
             <a:fld id="{760FBDFE-C587-4B4C-A407-44438C67B59E}" type="datetimeFigureOut">
               <a:rPr lang="zh-CN" altLang="en-US" smtClean="0"/>
-              <a:t>2018/10/15</a:t>
+              <a:t>2018/11/2</a:t>
             </a:fld>
             <a:endParaRPr lang="zh-CN" altLang="en-US"/>
           </a:p>
@@ -922,7 +922,7 @@
           <a:p>
             <a:fld id="{760FBDFE-C587-4B4C-A407-44438C67B59E}" type="datetimeFigureOut">
               <a:rPr lang="zh-CN" altLang="en-US" smtClean="0"/>
-              <a:t>2018/10/15</a:t>
+              <a:t>2018/11/2</a:t>
             </a:fld>
             <a:endParaRPr lang="zh-CN" altLang="en-US" dirty="0"/>
           </a:p>
@@ -1012,7 +1012,7 @@
           <a:p>
             <a:fld id="{20DD7636-5BE1-44BC-BB5F-15739D9E18E1}" type="datetimeFigureOut">
               <a:rPr lang="zh-CN" altLang="en-US" smtClean="0"/>
-              <a:t>2018/10/15</a:t>
+              <a:t>2018/11/2</a:t>
             </a:fld>
             <a:endParaRPr lang="zh-CN" altLang="en-US"/>
           </a:p>
@@ -1269,7 +1269,7 @@
           <a:p>
             <a:fld id="{760FBDFE-C587-4B4C-A407-44438C67B59E}" type="datetimeFigureOut">
               <a:rPr lang="zh-CN" altLang="en-US" smtClean="0"/>
-              <a:t>2018/10/15</a:t>
+              <a:t>2018/11/2</a:t>
             </a:fld>
             <a:endParaRPr lang="zh-CN" altLang="en-US"/>
           </a:p>
@@ -1628,7 +1628,7 @@
           <a:p>
             <a:fld id="{760FBDFE-C587-4B4C-A407-44438C67B59E}" type="datetimeFigureOut">
               <a:rPr lang="zh-CN" altLang="en-US" smtClean="0"/>
-              <a:t>2018/10/15</a:t>
+              <a:t>2018/11/2</a:t>
             </a:fld>
             <a:endParaRPr lang="zh-CN" altLang="en-US"/>
           </a:p>
@@ -1755,7 +1755,7 @@
           <a:p>
             <a:fld id="{20DD7636-5BE1-44BC-BB5F-15739D9E18E1}" type="datetimeFigureOut">
               <a:rPr lang="zh-CN" altLang="en-US" smtClean="0"/>
-              <a:t>2018/10/15</a:t>
+              <a:t>2018/11/2</a:t>
             </a:fld>
             <a:endParaRPr lang="zh-CN" altLang="en-US"/>
           </a:p>
@@ -1884,7 +1884,7 @@
           <a:p>
             <a:fld id="{760FBDFE-C587-4B4C-A407-44438C67B59E}" type="datetimeFigureOut">
               <a:rPr lang="zh-CN" altLang="en-US" smtClean="0"/>
-              <a:t>2018/10/15</a:t>
+              <a:t>2018/11/2</a:t>
             </a:fld>
             <a:endParaRPr lang="zh-CN" altLang="en-US"/>
           </a:p>
@@ -2135,7 +2135,7 @@
           <a:p>
             <a:fld id="{9EFD9D74-47D9-4702-A33C-335B63B48DBF}" type="datetimeFigureOut">
               <a:rPr lang="zh-CN" altLang="en-US" smtClean="0"/>
-              <a:t>2018/10/15</a:t>
+              <a:t>2018/11/2</a:t>
             </a:fld>
             <a:endParaRPr lang="zh-CN" altLang="en-US" dirty="0"/>
           </a:p>
@@ -2314,7 +2314,7 @@
           <a:p>
             <a:fld id="{760FBDFE-C587-4B4C-A407-44438C67B59E}" type="datetimeFigureOut">
               <a:rPr lang="zh-CN" altLang="en-US" smtClean="0"/>
-              <a:t>2018/10/15</a:t>
+              <a:t>2018/11/2</a:t>
             </a:fld>
             <a:endParaRPr lang="zh-CN" altLang="en-US"/>
           </a:p>
@@ -2530,7 +2530,7 @@
           <a:p>
             <a:fld id="{D997B5FA-0921-464F-AAE1-844C04324D75}" type="datetimeFigureOut">
               <a:rPr lang="zh-CN" altLang="en-US" smtClean="0"/>
-              <a:t>2018/10/15</a:t>
+              <a:t>2018/11/2</a:t>
             </a:fld>
             <a:endParaRPr lang="zh-CN" altLang="en-US" dirty="0"/>
           </a:p>
@@ -3314,10 +3314,8 @@
                 <a:ea typeface="宋体" panose="02010600030101010101" pitchFamily="2" charset="-122"/>
                 <a:cs typeface="经典繁仿黑" panose="02010609000101010101" pitchFamily="49" charset="-122"/>
               </a:rPr>
-              <a:t>姓名：王鹏飞</a:t>
-            </a:r>
-          </a:p>
-          <a:p>
+              <a:t>姓名</a:t>
+            </a:r>
             <a:r>
               <a:rPr lang="zh-CN" altLang="en-US" sz="4400" b="1" dirty="0" smtClean="0">
                 <a:solidFill>
@@ -3331,10 +3329,24 @@
                 <a:ea typeface="宋体" panose="02010600030101010101" pitchFamily="2" charset="-122"/>
                 <a:cs typeface="经典繁仿黑" panose="02010609000101010101" pitchFamily="49" charset="-122"/>
               </a:rPr>
-              <a:t>班级：嵌入式</a:t>
-            </a:r>
-            <a:r>
-              <a:rPr lang="en-US" altLang="zh-CN" sz="4400" b="1" dirty="0" smtClean="0">
+              <a:t>：孟宇春</a:t>
+            </a:r>
+            <a:endParaRPr lang="en-US" altLang="zh-CN" sz="4400" b="1" dirty="0" smtClean="0">
+              <a:solidFill>
+                <a:schemeClr val="tx1">
+                  <a:lumMod val="95000"/>
+                  <a:lumOff val="5000"/>
+                </a:schemeClr>
+              </a:solidFill>
+              <a:uFillTx/>
+              <a:latin typeface="宋体" panose="02010600030101010101" pitchFamily="2" charset="-122"/>
+              <a:ea typeface="宋体" panose="02010600030101010101" pitchFamily="2" charset="-122"/>
+              <a:cs typeface="经典繁仿黑" panose="02010609000101010101" pitchFamily="49" charset="-122"/>
+            </a:endParaRPr>
+          </a:p>
+          <a:p>
+            <a:r>
+              <a:rPr lang="zh-CN" altLang="en-US" sz="4400" b="1" dirty="0" smtClean="0">
                 <a:solidFill>
                   <a:schemeClr val="tx1">
                     <a:lumMod val="95000"/>
@@ -3346,7 +3358,52 @@
                 <a:ea typeface="宋体" panose="02010600030101010101" pitchFamily="2" charset="-122"/>
                 <a:cs typeface="经典繁仿黑" panose="02010609000101010101" pitchFamily="49" charset="-122"/>
               </a:rPr>
-              <a:t>2</a:t>
+              <a:t>班级</a:t>
+            </a:r>
+            <a:r>
+              <a:rPr lang="zh-CN" altLang="en-US" sz="4400" b="1" dirty="0" smtClean="0">
+                <a:solidFill>
+                  <a:schemeClr val="tx1">
+                    <a:lumMod val="95000"/>
+                    <a:lumOff val="5000"/>
+                  </a:schemeClr>
+                </a:solidFill>
+                <a:uFillTx/>
+                <a:latin typeface="宋体" panose="02010600030101010101" pitchFamily="2" charset="-122"/>
+                <a:ea typeface="宋体" panose="02010600030101010101" pitchFamily="2" charset="-122"/>
+                <a:cs typeface="经典繁仿黑" panose="02010609000101010101" pitchFamily="49" charset="-122"/>
+              </a:rPr>
+              <a:t>：</a:t>
+            </a:r>
+            <a:r>
+              <a:rPr lang="zh-CN" altLang="en-US" sz="4400" b="1" dirty="0" smtClean="0">
+                <a:solidFill>
+                  <a:schemeClr val="tx1">
+                    <a:lumMod val="95000"/>
+                    <a:lumOff val="5000"/>
+                  </a:schemeClr>
+                </a:solidFill>
+                <a:uFillTx/>
+                <a:latin typeface="宋体" panose="02010600030101010101" pitchFamily="2" charset="-122"/>
+                <a:ea typeface="宋体" panose="02010600030101010101" pitchFamily="2" charset="-122"/>
+                <a:cs typeface="经典繁仿黑" panose="02010609000101010101" pitchFamily="49" charset="-122"/>
+              </a:rPr>
+              <a:t>嵌入式</a:t>
+            </a:r>
+            <a:r>
+              <a:rPr lang="en-US" altLang="zh-CN" sz="4400" b="1" dirty="0" smtClean="0">
+                <a:solidFill>
+                  <a:schemeClr val="tx1">
+                    <a:lumMod val="95000"/>
+                    <a:lumOff val="5000"/>
+                  </a:schemeClr>
+                </a:solidFill>
+                <a:uFillTx/>
+                <a:latin typeface="宋体" panose="02010600030101010101" pitchFamily="2" charset="-122"/>
+                <a:ea typeface="宋体" panose="02010600030101010101" pitchFamily="2" charset="-122"/>
+                <a:cs typeface="经典繁仿黑" panose="02010609000101010101" pitchFamily="49" charset="-122"/>
+              </a:rPr>
+              <a:t>1</a:t>
             </a:r>
             <a:r>
               <a:rPr lang="zh-CN" altLang="en-US" sz="4400" b="1" dirty="0" smtClean="0">
@@ -3362,38 +3419,6 @@
                 <a:cs typeface="经典繁仿黑" panose="02010609000101010101" pitchFamily="49" charset="-122"/>
               </a:rPr>
               <a:t>班</a:t>
-            </a:r>
-          </a:p>
-          <a:p>
-            <a:r>
-              <a:rPr lang="zh-CN" altLang="en-US" sz="4400" b="1" dirty="0" smtClean="0">
-                <a:solidFill>
-                  <a:schemeClr val="tx1">
-                    <a:lumMod val="95000"/>
-                    <a:lumOff val="5000"/>
-                  </a:schemeClr>
-                </a:solidFill>
-                <a:uFillTx/>
-                <a:latin typeface="宋体" panose="02010600030101010101" pitchFamily="2" charset="-122"/>
-                <a:ea typeface="宋体" panose="02010600030101010101" pitchFamily="2" charset="-122"/>
-                <a:cs typeface="经典繁仿黑" panose="02010609000101010101" pitchFamily="49" charset="-122"/>
-              </a:rPr>
-              <a:t>学号：</a:t>
-            </a:r>
-            <a:r>
-              <a:rPr lang="en-US" altLang="zh-CN" sz="4400" b="1" dirty="0" smtClean="0">
-                <a:solidFill>
-                  <a:schemeClr val="tx1">
-                    <a:lumMod val="95000"/>
-                    <a:lumOff val="5000"/>
-                  </a:schemeClr>
-                </a:solidFill>
-                <a:uFillTx/>
-                <a:latin typeface="宋体" panose="02010600030101010101" pitchFamily="2" charset="-122"/>
-                <a:ea typeface="宋体" panose="02010600030101010101" pitchFamily="2" charset="-122"/>
-                <a:cs typeface="经典繁仿黑" panose="02010609000101010101" pitchFamily="49" charset="-122"/>
-              </a:rPr>
-              <a:t>20151104812</a:t>
             </a:r>
             <a:endParaRPr lang="zh-CN" altLang="en-US" sz="4400" b="1" dirty="0" smtClean="0">
               <a:solidFill>
@@ -3422,10 +3447,10 @@
                 <a:ea typeface="宋体" panose="02010600030101010101" pitchFamily="2" charset="-122"/>
                 <a:cs typeface="经典繁仿黑" panose="02010609000101010101" pitchFamily="49" charset="-122"/>
               </a:rPr>
-              <a:t>论文题目：</a:t>
-            </a:r>
-            <a:r>
-              <a:rPr lang="zh-CN" altLang="en-US" sz="4400" b="1" dirty="0" smtClean="0">
+              <a:t>学号：</a:t>
+            </a:r>
+            <a:r>
+              <a:rPr lang="en-US" altLang="zh-CN" sz="4400" b="1" dirty="0" smtClean="0">
                 <a:solidFill>
                   <a:schemeClr val="tx1">
                     <a:lumMod val="95000"/>
@@ -3437,37 +3462,7 @@
                 <a:ea typeface="宋体" panose="02010600030101010101" pitchFamily="2" charset="-122"/>
                 <a:cs typeface="经典繁仿黑" panose="02010609000101010101" pitchFamily="49" charset="-122"/>
               </a:rPr>
-              <a:t>基于</a:t>
-            </a:r>
-            <a:r>
-              <a:rPr lang="en-US" altLang="zh-CN" sz="4400" b="1" dirty="0" smtClean="0">
-                <a:solidFill>
-                  <a:schemeClr val="tx1">
-                    <a:lumMod val="95000"/>
-                    <a:lumOff val="5000"/>
-                  </a:schemeClr>
-                </a:solidFill>
-                <a:uFillTx/>
-                <a:latin typeface="宋体" panose="02010600030101010101" pitchFamily="2" charset="-122"/>
-                <a:ea typeface="宋体" panose="02010600030101010101" pitchFamily="2" charset="-122"/>
-                <a:cs typeface="经典繁仿黑" panose="02010609000101010101" pitchFamily="49" charset="-122"/>
-              </a:rPr>
-              <a:t>SSM</a:t>
-            </a:r>
-            <a:r>
-              <a:rPr lang="zh-CN" altLang="en-US" sz="4400" b="1" dirty="0" smtClean="0">
-                <a:solidFill>
-                  <a:schemeClr val="tx1">
-                    <a:lumMod val="95000"/>
-                    <a:lumOff val="5000"/>
-                  </a:schemeClr>
-                </a:solidFill>
-                <a:uFillTx/>
-                <a:latin typeface="宋体" panose="02010600030101010101" pitchFamily="2" charset="-122"/>
-                <a:ea typeface="宋体" panose="02010600030101010101" pitchFamily="2" charset="-122"/>
-                <a:cs typeface="经典繁仿黑" panose="02010609000101010101" pitchFamily="49" charset="-122"/>
-              </a:rPr>
-              <a:t>的请假系统审批系统</a:t>
+              <a:t>20151104825</a:t>
             </a:r>
             <a:endParaRPr lang="zh-CN" altLang="en-US" sz="4400" b="1" dirty="0" smtClean="0">
               <a:solidFill>
@@ -3481,6 +3476,53 @@
               <a:ea typeface="宋体" panose="02010600030101010101" pitchFamily="2" charset="-122"/>
               <a:cs typeface="经典繁仿黑" panose="02010609000101010101" pitchFamily="49" charset="-122"/>
             </a:endParaRPr>
+          </a:p>
+          <a:p>
+            <a:r>
+              <a:rPr lang="zh-CN" altLang="en-US" sz="4400" b="1" dirty="0" smtClean="0">
+                <a:solidFill>
+                  <a:schemeClr val="tx1">
+                    <a:lumMod val="95000"/>
+                    <a:lumOff val="5000"/>
+                  </a:schemeClr>
+                </a:solidFill>
+                <a:uFillTx/>
+                <a:latin typeface="宋体" panose="02010600030101010101" pitchFamily="2" charset="-122"/>
+                <a:ea typeface="宋体" panose="02010600030101010101" pitchFamily="2" charset="-122"/>
+                <a:cs typeface="经典繁仿黑" panose="02010609000101010101" pitchFamily="49" charset="-122"/>
+              </a:rPr>
+              <a:t>论文题目：基于</a:t>
+            </a:r>
+            <a:r>
+              <a:rPr lang="en-US" altLang="zh-CN" sz="4400" b="1" dirty="0" smtClean="0">
+                <a:solidFill>
+                  <a:schemeClr val="tx1">
+                    <a:lumMod val="95000"/>
+                    <a:lumOff val="5000"/>
+                  </a:schemeClr>
+                </a:solidFill>
+                <a:uFillTx/>
+                <a:latin typeface="宋体" panose="02010600030101010101" pitchFamily="2" charset="-122"/>
+                <a:ea typeface="宋体" panose="02010600030101010101" pitchFamily="2" charset="-122"/>
+                <a:cs typeface="经典繁仿黑" panose="02010609000101010101" pitchFamily="49" charset="-122"/>
+              </a:rPr>
+              <a:t>SSM</a:t>
+            </a:r>
+            <a:r>
+              <a:rPr lang="zh-CN" altLang="en-US" sz="4400" b="1" dirty="0" smtClean="0">
+                <a:solidFill>
+                  <a:schemeClr val="tx1">
+                    <a:lumMod val="95000"/>
+                    <a:lumOff val="5000"/>
+                  </a:schemeClr>
+                </a:solidFill>
+                <a:uFillTx/>
+                <a:latin typeface="宋体" panose="02010600030101010101" pitchFamily="2" charset="-122"/>
+                <a:ea typeface="宋体" panose="02010600030101010101" pitchFamily="2" charset="-122"/>
+                <a:cs typeface="经典繁仿黑" panose="02010609000101010101" pitchFamily="49" charset="-122"/>
+              </a:rPr>
+              <a:t>的请假系统审批系统</a:t>
+            </a:r>
           </a:p>
           <a:p>
             <a:r>
